--- a/MediaBazaar_Presentation.pptx
+++ b/MediaBazaar_Presentation.pptx
@@ -219,7 +219,7 @@
           <a:p>
             <a:fld id="{0E8D5A83-F923-4640-9118-16FD3F9F9F7F}" type="datetime1">
               <a:rPr lang="en-GB" smtClean="0"/>
-              <a:t>22/03/2021</a:t>
+              <a:t>23/03/2021</a:t>
             </a:fld>
             <a:endParaRPr lang="nl-NL"/>
           </a:p>
@@ -384,7 +384,7 @@
           <a:p>
             <a:fld id="{E0A9BC57-A32C-4D22-9E22-69CD7FC6A566}" type="datetime1">
               <a:rPr lang="en-GB" smtClean="0"/>
-              <a:t>22/03/2021</a:t>
+              <a:t>23/03/2021</a:t>
             </a:fld>
             <a:endParaRPr lang="en-GB"/>
           </a:p>
@@ -3061,13 +3061,13 @@
   <p:clrMapOvr>
     <a:masterClrMapping/>
   </p:clrMapOvr>
-  <mc:AlternateContent xmlns:mc="http://schemas.openxmlformats.org/markup-compatibility/2006">
-    <mc:Choice xmlns:p14="http://schemas.microsoft.com/office/powerpoint/2010/main" Requires="p14">
+  <mc:AlternateContent xmlns:mc="http://schemas.openxmlformats.org/markup-compatibility/2006" xmlns:p14="http://schemas.microsoft.com/office/powerpoint/2010/main">
+    <mc:Choice Requires="p14">
       <p:transition spd="slow" p14:dur="1500">
         <p:split orient="vert"/>
       </p:transition>
     </mc:Choice>
-    <mc:Fallback>
+    <mc:Fallback xmlns="">
       <p:transition spd="slow">
         <p:split orient="vert"/>
       </p:transition>
@@ -4282,7 +4282,7 @@
         <p:spPr>
           <a:xfrm>
             <a:off x="457200" y="1063625"/>
-            <a:ext cx="8328991" cy="2296654"/>
+            <a:ext cx="8464163" cy="2615203"/>
           </a:xfrm>
           <a:prstGeom prst="rect">
             <a:avLst/>
@@ -4315,127 +4315,69 @@
             <a:r>
               <a:rPr lang="ru-RU" dirty="0">
                 <a:effectLst/>
-                <a:latin typeface="Times New Roman" panose="02020603050405020304" pitchFamily="18" charset="0"/>
+                <a:latin typeface="Arial" panose="020B0604020202020204" pitchFamily="34" charset="0"/>
                 <a:ea typeface="Times New Roman" panose="02020603050405020304" pitchFamily="18" charset="0"/>
+                <a:cs typeface="Arial" panose="020B0604020202020204" pitchFamily="34" charset="0"/>
               </a:rPr>
               <a:t>Creating a system which would provide a better </a:t>
             </a:r>
             <a:r>
               <a:rPr lang="en-US" dirty="0">
-                <a:latin typeface="Times New Roman" panose="02020603050405020304" pitchFamily="18" charset="0"/>
+                <a:latin typeface="Arial" panose="020B0604020202020204" pitchFamily="34" charset="0"/>
                 <a:ea typeface="Times New Roman" panose="02020603050405020304" pitchFamily="18" charset="0"/>
+                <a:cs typeface="Arial" panose="020B0604020202020204" pitchFamily="34" charset="0"/>
               </a:rPr>
               <a:t> </a:t>
             </a:r>
             <a:r>
               <a:rPr lang="ru-RU" dirty="0">
                 <a:effectLst/>
-                <a:latin typeface="Times New Roman" panose="02020603050405020304" pitchFamily="18" charset="0"/>
+                <a:latin typeface="Arial" panose="020B0604020202020204" pitchFamily="34" charset="0"/>
                 <a:ea typeface="Times New Roman" panose="02020603050405020304" pitchFamily="18" charset="0"/>
+                <a:cs typeface="Arial" panose="020B0604020202020204" pitchFamily="34" charset="0"/>
               </a:rPr>
               <a:t>monitoring of employees for </a:t>
             </a:r>
+            <a:r>
+              <a:rPr lang="en-US" dirty="0">
+                <a:latin typeface="Arial" panose="020B0604020202020204" pitchFamily="34" charset="0"/>
+                <a:ea typeface="Times New Roman" panose="02020603050405020304" pitchFamily="18" charset="0"/>
+                <a:cs typeface="Arial" panose="020B0604020202020204" pitchFamily="34" charset="0"/>
+              </a:rPr>
+              <a:t>  </a:t>
+            </a:r>
+            <a:r>
+              <a:rPr lang="ru-RU" dirty="0">
+                <a:effectLst/>
+                <a:latin typeface="Arial" panose="020B0604020202020204" pitchFamily="34" charset="0"/>
+                <a:ea typeface="Times New Roman" panose="02020603050405020304" pitchFamily="18" charset="0"/>
+                <a:cs typeface="Arial" panose="020B0604020202020204" pitchFamily="34" charset="0"/>
+              </a:rPr>
+              <a:t>administration (attendance, hours of work, schedule, etc) and add new deparments </a:t>
+            </a:r>
+            <a:r>
+              <a:rPr lang="en-US" dirty="0" err="1">
+                <a:effectLst/>
+                <a:latin typeface="Arial" panose="020B0604020202020204" pitchFamily="34" charset="0"/>
+                <a:ea typeface="Times New Roman" panose="02020603050405020304" pitchFamily="18" charset="0"/>
+                <a:cs typeface="Arial" panose="020B0604020202020204" pitchFamily="34" charset="0"/>
+              </a:rPr>
+              <a:t>i</a:t>
+            </a:r>
+            <a:r>
+              <a:rPr lang="ru-RU" dirty="0">
+                <a:effectLst/>
+                <a:latin typeface="Arial" panose="020B0604020202020204" pitchFamily="34" charset="0"/>
+                <a:ea typeface="Times New Roman" panose="02020603050405020304" pitchFamily="18" charset="0"/>
+                <a:cs typeface="Arial" panose="020B0604020202020204" pitchFamily="34" charset="0"/>
+              </a:rPr>
+              <a:t>f needed.</a:t>
+            </a:r>
             <a:endParaRPr lang="en-US" dirty="0">
               <a:effectLst/>
-              <a:latin typeface="Times New Roman" panose="02020603050405020304" pitchFamily="18" charset="0"/>
+              <a:latin typeface="Arial" panose="020B0604020202020204" pitchFamily="34" charset="0"/>
               <a:ea typeface="Times New Roman" panose="02020603050405020304" pitchFamily="18" charset="0"/>
-            </a:endParaRPr>
-          </a:p>
-          <a:p>
-            <a:pPr marR="0" lvl="0" fontAlgn="base">
-              <a:lnSpc>
-                <a:spcPct val="115000"/>
-              </a:lnSpc>
-              <a:spcBef>
-                <a:spcPts val="0"/>
-              </a:spcBef>
-              <a:spcAft>
-                <a:spcPts val="0"/>
-              </a:spcAft>
-              <a:buSzPct val="77000"/>
-              <a:tabLst>
-                <a:tab pos="457200" algn="l"/>
-              </a:tabLst>
-            </a:pPr>
-            <a:r>
-              <a:rPr lang="en-US" dirty="0">
-                <a:latin typeface="Times New Roman" panose="02020603050405020304" pitchFamily="18" charset="0"/>
-                <a:ea typeface="Times New Roman" panose="02020603050405020304" pitchFamily="18" charset="0"/>
-              </a:rPr>
-              <a:t>     </a:t>
-            </a:r>
-            <a:r>
-              <a:rPr lang="ru-RU" dirty="0">
-                <a:effectLst/>
-                <a:latin typeface="Times New Roman" panose="02020603050405020304" pitchFamily="18" charset="0"/>
-                <a:ea typeface="Times New Roman" panose="02020603050405020304" pitchFamily="18" charset="0"/>
-              </a:rPr>
-              <a:t>administration (attendance, hours of work, schedule, etc) and add new deparments </a:t>
-            </a:r>
-            <a:r>
-              <a:rPr lang="en-US" dirty="0">
-                <a:effectLst/>
-                <a:latin typeface="Times New Roman" panose="02020603050405020304" pitchFamily="18" charset="0"/>
-                <a:ea typeface="Times New Roman" panose="02020603050405020304" pitchFamily="18" charset="0"/>
-              </a:rPr>
-              <a:t> </a:t>
-            </a:r>
-            <a:endParaRPr lang="en-US" dirty="0">
-              <a:latin typeface="Times New Roman" panose="02020603050405020304" pitchFamily="18" charset="0"/>
-              <a:ea typeface="Times New Roman" panose="02020603050405020304" pitchFamily="18" charset="0"/>
-            </a:endParaRPr>
-          </a:p>
-          <a:p>
-            <a:pPr marR="0" lvl="0" fontAlgn="base">
-              <a:lnSpc>
-                <a:spcPct val="115000"/>
-              </a:lnSpc>
-              <a:spcBef>
-                <a:spcPts val="0"/>
-              </a:spcBef>
-              <a:spcAft>
-                <a:spcPts val="0"/>
-              </a:spcAft>
-              <a:buSzPct val="77000"/>
-              <a:tabLst>
-                <a:tab pos="457200" algn="l"/>
-              </a:tabLst>
-            </a:pPr>
-            <a:r>
-              <a:rPr lang="en-US" dirty="0">
-                <a:latin typeface="Times New Roman" panose="02020603050405020304" pitchFamily="18" charset="0"/>
-                <a:ea typeface="Times New Roman" panose="02020603050405020304" pitchFamily="18" charset="0"/>
-              </a:rPr>
-              <a:t> </a:t>
-            </a:r>
-            <a:r>
-              <a:rPr lang="en-US" dirty="0">
-                <a:effectLst/>
-                <a:latin typeface="Times New Roman" panose="02020603050405020304" pitchFamily="18" charset="0"/>
-                <a:ea typeface="Times New Roman" panose="02020603050405020304" pitchFamily="18" charset="0"/>
-              </a:rPr>
-              <a:t>    </a:t>
-            </a:r>
-            <a:r>
-              <a:rPr lang="en-US" dirty="0" err="1">
-                <a:effectLst/>
-                <a:latin typeface="Times New Roman" panose="02020603050405020304" pitchFamily="18" charset="0"/>
-                <a:ea typeface="Times New Roman" panose="02020603050405020304" pitchFamily="18" charset="0"/>
-              </a:rPr>
-              <a:t>i</a:t>
-            </a:r>
-            <a:r>
-              <a:rPr lang="ru-RU" dirty="0">
-                <a:effectLst/>
-                <a:latin typeface="Times New Roman" panose="02020603050405020304" pitchFamily="18" charset="0"/>
-                <a:ea typeface="Times New Roman" panose="02020603050405020304" pitchFamily="18" charset="0"/>
-              </a:rPr>
-              <a:t>f needed.</a:t>
-            </a:r>
-            <a:endParaRPr lang="en-US" dirty="0">
-              <a:effectLst/>
-              <a:latin typeface="Times New Roman" panose="02020603050405020304" pitchFamily="18" charset="0"/>
-              <a:ea typeface="Times New Roman" panose="02020603050405020304" pitchFamily="18" charset="0"/>
+              <a:cs typeface="Arial" panose="020B0604020202020204" pitchFamily="34" charset="0"/>
             </a:endParaRPr>
           </a:p>
           <a:p>
@@ -4459,31 +4401,53 @@
             <a:r>
               <a:rPr lang="ru-RU" sz="1800" dirty="0">
                 <a:effectLst/>
-                <a:latin typeface="Times New Roman" panose="02020603050405020304" pitchFamily="18" charset="0"/>
+                <a:latin typeface="Arial" panose="020B0604020202020204" pitchFamily="34" charset="0"/>
                 <a:ea typeface="Times New Roman" panose="02020603050405020304" pitchFamily="18" charset="0"/>
+                <a:cs typeface="Arial" panose="020B0604020202020204" pitchFamily="34" charset="0"/>
               </a:rPr>
-              <a:t>Application for managers to view various statistics of employees, departments, </a:t>
+              <a:t>Application for managers to view various statistics of employees, departmen</a:t>
+            </a:r>
+            <a:r>
+              <a:rPr lang="en-US" sz="1800" dirty="0" err="1">
+                <a:effectLst/>
+                <a:latin typeface="Arial" panose="020B0604020202020204" pitchFamily="34" charset="0"/>
+                <a:ea typeface="Times New Roman" panose="02020603050405020304" pitchFamily="18" charset="0"/>
+                <a:cs typeface="Arial" panose="020B0604020202020204" pitchFamily="34" charset="0"/>
+              </a:rPr>
+              <a:t>ts</a:t>
+            </a:r>
+            <a:r>
+              <a:rPr lang="ru-RU" sz="1800" dirty="0">
+                <a:effectLst/>
+                <a:latin typeface="Arial" panose="020B0604020202020204" pitchFamily="34" charset="0"/>
+                <a:ea typeface="Times New Roman" panose="02020603050405020304" pitchFamily="18" charset="0"/>
+                <a:cs typeface="Arial" panose="020B0604020202020204" pitchFamily="34" charset="0"/>
+              </a:rPr>
+              <a:t> </a:t>
             </a:r>
             <a:r>
               <a:rPr lang="en-US" sz="1800" dirty="0">
                 <a:effectLst/>
-                <a:latin typeface="Times New Roman" panose="02020603050405020304" pitchFamily="18" charset="0"/>
+                <a:latin typeface="Arial" panose="020B0604020202020204" pitchFamily="34" charset="0"/>
                 <a:ea typeface="Times New Roman" panose="02020603050405020304" pitchFamily="18" charset="0"/>
+                <a:cs typeface="Arial" panose="020B0604020202020204" pitchFamily="34" charset="0"/>
               </a:rPr>
               <a:t>s</a:t>
             </a:r>
             <a:r>
               <a:rPr lang="ru-RU" sz="1800" dirty="0">
                 <a:effectLst/>
-                <a:latin typeface="Times New Roman" panose="02020603050405020304" pitchFamily="18" charset="0"/>
+                <a:latin typeface="Arial" panose="020B0604020202020204" pitchFamily="34" charset="0"/>
                 <a:ea typeface="Times New Roman" panose="02020603050405020304" pitchFamily="18" charset="0"/>
+                <a:cs typeface="Arial" panose="020B0604020202020204" pitchFamily="34" charset="0"/>
               </a:rPr>
               <a:t>tock</a:t>
             </a:r>
             <a:endParaRPr lang="en-US" sz="1800" dirty="0">
               <a:effectLst/>
-              <a:latin typeface="Times New Roman" panose="02020603050405020304" pitchFamily="18" charset="0"/>
+              <a:latin typeface="Arial" panose="020B0604020202020204" pitchFamily="34" charset="0"/>
               <a:ea typeface="Times New Roman" panose="02020603050405020304" pitchFamily="18" charset="0"/>
+              <a:cs typeface="Arial" panose="020B0604020202020204" pitchFamily="34" charset="0"/>
             </a:endParaRPr>
           </a:p>
           <a:p>
@@ -4507,53 +4471,60 @@
             <a:r>
               <a:rPr lang="ru-RU" sz="1800" dirty="0">
                 <a:effectLst/>
-                <a:latin typeface="Times New Roman" panose="02020603050405020304" pitchFamily="18" charset="0"/>
+                <a:latin typeface="Arial" panose="020B0604020202020204" pitchFamily="34" charset="0"/>
                 <a:ea typeface="Times New Roman" panose="02020603050405020304" pitchFamily="18" charset="0"/>
+                <a:cs typeface="Arial" panose="020B0604020202020204" pitchFamily="34" charset="0"/>
               </a:rPr>
               <a:t>Website for employees where they would be able to adjust their personal informatio</a:t>
             </a:r>
             <a:r>
               <a:rPr lang="en-US" sz="1800" dirty="0" err="1">
                 <a:effectLst/>
-                <a:latin typeface="Times New Roman" panose="02020603050405020304" pitchFamily="18" charset="0"/>
+                <a:latin typeface="Arial" panose="020B0604020202020204" pitchFamily="34" charset="0"/>
                 <a:ea typeface="Times New Roman" panose="02020603050405020304" pitchFamily="18" charset="0"/>
+                <a:cs typeface="Arial" panose="020B0604020202020204" pitchFamily="34" charset="0"/>
               </a:rPr>
               <a:t>n</a:t>
             </a:r>
             <a:r>
               <a:rPr lang="en-US" dirty="0" err="1">
-                <a:latin typeface="Times New Roman" panose="02020603050405020304" pitchFamily="18" charset="0"/>
+                <a:latin typeface="Arial" panose="020B0604020202020204" pitchFamily="34" charset="0"/>
                 <a:ea typeface="Times New Roman" panose="02020603050405020304" pitchFamily="18" charset="0"/>
+                <a:cs typeface="Arial" panose="020B0604020202020204" pitchFamily="34" charset="0"/>
               </a:rPr>
               <a:t>and</a:t>
             </a:r>
             <a:r>
               <a:rPr lang="en-US" dirty="0">
-                <a:latin typeface="Times New Roman" panose="02020603050405020304" pitchFamily="18" charset="0"/>
+                <a:latin typeface="Arial" panose="020B0604020202020204" pitchFamily="34" charset="0"/>
                 <a:ea typeface="Times New Roman" panose="02020603050405020304" pitchFamily="18" charset="0"/>
+                <a:cs typeface="Arial" panose="020B0604020202020204" pitchFamily="34" charset="0"/>
               </a:rPr>
               <a:t> </a:t>
             </a:r>
             <a:r>
               <a:rPr lang="ru-RU" sz="1800" dirty="0">
                 <a:effectLst/>
-                <a:latin typeface="Times New Roman" panose="02020603050405020304" pitchFamily="18" charset="0"/>
+                <a:latin typeface="Arial" panose="020B0604020202020204" pitchFamily="34" charset="0"/>
                 <a:ea typeface="Times New Roman" panose="02020603050405020304" pitchFamily="18" charset="0"/>
+                <a:cs typeface="Arial" panose="020B0604020202020204" pitchFamily="34" charset="0"/>
               </a:rPr>
               <a:t>view their workshifts</a:t>
             </a:r>
             <a:r>
               <a:rPr lang="ro-RO" sz="1800" dirty="0">
                 <a:effectLst/>
-                <a:latin typeface="Times New Roman" panose="02020603050405020304" pitchFamily="18" charset="0"/>
+                <a:latin typeface="Arial" panose="020B0604020202020204" pitchFamily="34" charset="0"/>
                 <a:ea typeface="Times New Roman" panose="02020603050405020304" pitchFamily="18" charset="0"/>
+                <a:cs typeface="Arial" panose="020B0604020202020204" pitchFamily="34" charset="0"/>
               </a:rPr>
               <a:t> </a:t>
             </a:r>
             <a:endParaRPr lang="en-US" sz="1800" dirty="0">
               <a:effectLst/>
-              <a:latin typeface="Times New Roman" panose="02020603050405020304" pitchFamily="18" charset="0"/>
+              <a:latin typeface="Arial" panose="020B0604020202020204" pitchFamily="34" charset="0"/>
               <a:ea typeface="Times New Roman" panose="02020603050405020304" pitchFamily="18" charset="0"/>
+              <a:cs typeface="Arial" panose="020B0604020202020204" pitchFamily="34" charset="0"/>
             </a:endParaRPr>
           </a:p>
           <a:p>
@@ -4882,15 +4853,33 @@
                                   </p:childTnLst>
                                 </p:cTn>
                               </p:par>
+                            </p:childTnLst>
+                          </p:cTn>
+                        </p:par>
+                      </p:childTnLst>
+                    </p:cTn>
+                  </p:par>
+                  <p:par>
+                    <p:cTn id="21" fill="hold">
+                      <p:stCondLst>
+                        <p:cond delay="indefinite"/>
+                      </p:stCondLst>
+                      <p:childTnLst>
+                        <p:par>
+                          <p:cTn id="22" fill="hold">
+                            <p:stCondLst>
+                              <p:cond delay="0"/>
+                            </p:stCondLst>
+                            <p:childTnLst>
                               <p:par>
-                                <p:cTn id="21" presetID="2" presetClass="entr" presetSubtype="4" fill="hold" nodeType="withEffect">
+                                <p:cTn id="23" presetID="2" presetClass="entr" presetSubtype="4" fill="hold" nodeType="clickEffect">
                                   <p:stCondLst>
                                     <p:cond delay="0"/>
                                   </p:stCondLst>
                                   <p:childTnLst>
                                     <p:set>
                                       <p:cBhvr>
-                                        <p:cTn id="22" dur="1" fill="hold">
+                                        <p:cTn id="24" dur="1" fill="hold">
                                           <p:stCondLst>
                                             <p:cond delay="0"/>
                                           </p:stCondLst>
@@ -4912,7 +4901,7 @@
                                     </p:set>
                                     <p:anim calcmode="lin" valueType="num">
                                       <p:cBhvr additive="base">
-                                        <p:cTn id="23" dur="500" fill="hold"/>
+                                        <p:cTn id="25" dur="500" fill="hold"/>
                                         <p:tgtEl>
                                           <p:spTgt spid="4">
                                             <p:txEl>
@@ -4939,96 +4928,11 @@
                                     </p:anim>
                                     <p:anim calcmode="lin" valueType="num">
                                       <p:cBhvr additive="base">
-                                        <p:cTn id="24" dur="500" fill="hold"/>
+                                        <p:cTn id="26" dur="500" fill="hold"/>
                                         <p:tgtEl>
                                           <p:spTgt spid="4">
                                             <p:txEl>
                                               <p:pRg st="1" end="1"/>
-                                            </p:txEl>
-                                          </p:spTgt>
-                                        </p:tgtEl>
-                                        <p:attrNameLst>
-                                          <p:attrName>ppt_y</p:attrName>
-                                        </p:attrNameLst>
-                                      </p:cBhvr>
-                                      <p:tavLst>
-                                        <p:tav tm="0">
-                                          <p:val>
-                                            <p:strVal val="1+#ppt_h/2"/>
-                                          </p:val>
-                                        </p:tav>
-                                        <p:tav tm="100000">
-                                          <p:val>
-                                            <p:strVal val="#ppt_y"/>
-                                          </p:val>
-                                        </p:tav>
-                                      </p:tavLst>
-                                    </p:anim>
-                                  </p:childTnLst>
-                                </p:cTn>
-                              </p:par>
-                              <p:par>
-                                <p:cTn id="25" presetID="2" presetClass="entr" presetSubtype="4" fill="hold" nodeType="withEffect">
-                                  <p:stCondLst>
-                                    <p:cond delay="0"/>
-                                  </p:stCondLst>
-                                  <p:childTnLst>
-                                    <p:set>
-                                      <p:cBhvr>
-                                        <p:cTn id="26" dur="1" fill="hold">
-                                          <p:stCondLst>
-                                            <p:cond delay="0"/>
-                                          </p:stCondLst>
-                                        </p:cTn>
-                                        <p:tgtEl>
-                                          <p:spTgt spid="4">
-                                            <p:txEl>
-                                              <p:pRg st="2" end="2"/>
-                                            </p:txEl>
-                                          </p:spTgt>
-                                        </p:tgtEl>
-                                        <p:attrNameLst>
-                                          <p:attrName>style.visibility</p:attrName>
-                                        </p:attrNameLst>
-                                      </p:cBhvr>
-                                      <p:to>
-                                        <p:strVal val="visible"/>
-                                      </p:to>
-                                    </p:set>
-                                    <p:anim calcmode="lin" valueType="num">
-                                      <p:cBhvr additive="base">
-                                        <p:cTn id="27" dur="500" fill="hold"/>
-                                        <p:tgtEl>
-                                          <p:spTgt spid="4">
-                                            <p:txEl>
-                                              <p:pRg st="2" end="2"/>
-                                            </p:txEl>
-                                          </p:spTgt>
-                                        </p:tgtEl>
-                                        <p:attrNameLst>
-                                          <p:attrName>ppt_x</p:attrName>
-                                        </p:attrNameLst>
-                                      </p:cBhvr>
-                                      <p:tavLst>
-                                        <p:tav tm="0">
-                                          <p:val>
-                                            <p:strVal val="#ppt_x"/>
-                                          </p:val>
-                                        </p:tav>
-                                        <p:tav tm="100000">
-                                          <p:val>
-                                            <p:strVal val="#ppt_x"/>
-                                          </p:val>
-                                        </p:tav>
-                                      </p:tavLst>
-                                    </p:anim>
-                                    <p:anim calcmode="lin" valueType="num">
-                                      <p:cBhvr additive="base">
-                                        <p:cTn id="28" dur="500" fill="hold"/>
-                                        <p:tgtEl>
-                                          <p:spTgt spid="4">
-                                            <p:txEl>
-                                              <p:pRg st="2" end="2"/>
                                             </p:txEl>
                                           </p:spTgt>
                                         </p:tgtEl>
@@ -5059,26 +4963,26 @@
                     </p:cTn>
                   </p:par>
                   <p:par>
-                    <p:cTn id="29" fill="hold">
+                    <p:cTn id="27" fill="hold">
                       <p:stCondLst>
                         <p:cond delay="indefinite"/>
                       </p:stCondLst>
                       <p:childTnLst>
                         <p:par>
-                          <p:cTn id="30" fill="hold">
+                          <p:cTn id="28" fill="hold">
                             <p:stCondLst>
                               <p:cond delay="0"/>
                             </p:stCondLst>
                             <p:childTnLst>
                               <p:par>
-                                <p:cTn id="31" presetID="2" presetClass="entr" presetSubtype="4" fill="hold" nodeType="clickEffect">
+                                <p:cTn id="29" presetID="2" presetClass="entr" presetSubtype="4" fill="hold" nodeType="clickEffect">
                                   <p:stCondLst>
                                     <p:cond delay="0"/>
                                   </p:stCondLst>
                                   <p:childTnLst>
                                     <p:set>
                                       <p:cBhvr>
-                                        <p:cTn id="32" dur="1" fill="hold">
+                                        <p:cTn id="30" dur="1" fill="hold">
                                           <p:stCondLst>
                                             <p:cond delay="0"/>
                                           </p:stCondLst>
@@ -5086,7 +4990,7 @@
                                         <p:tgtEl>
                                           <p:spTgt spid="4">
                                             <p:txEl>
-                                              <p:pRg st="3" end="3"/>
+                                              <p:pRg st="2" end="2"/>
                                             </p:txEl>
                                           </p:spTgt>
                                         </p:tgtEl>
@@ -5100,11 +5004,11 @@
                                     </p:set>
                                     <p:anim calcmode="lin" valueType="num">
                                       <p:cBhvr additive="base">
-                                        <p:cTn id="33" dur="500" fill="hold"/>
+                                        <p:cTn id="31" dur="500" fill="hold"/>
                                         <p:tgtEl>
                                           <p:spTgt spid="4">
                                             <p:txEl>
-                                              <p:pRg st="3" end="3"/>
+                                              <p:pRg st="2" end="2"/>
                                             </p:txEl>
                                           </p:spTgt>
                                         </p:tgtEl>
@@ -5127,114 +5031,11 @@
                                     </p:anim>
                                     <p:anim calcmode="lin" valueType="num">
                                       <p:cBhvr additive="base">
-                                        <p:cTn id="34" dur="500" fill="hold"/>
+                                        <p:cTn id="32" dur="500" fill="hold"/>
                                         <p:tgtEl>
                                           <p:spTgt spid="4">
                                             <p:txEl>
-                                              <p:pRg st="3" end="3"/>
-                                            </p:txEl>
-                                          </p:spTgt>
-                                        </p:tgtEl>
-                                        <p:attrNameLst>
-                                          <p:attrName>ppt_y</p:attrName>
-                                        </p:attrNameLst>
-                                      </p:cBhvr>
-                                      <p:tavLst>
-                                        <p:tav tm="0">
-                                          <p:val>
-                                            <p:strVal val="1+#ppt_h/2"/>
-                                          </p:val>
-                                        </p:tav>
-                                        <p:tav tm="100000">
-                                          <p:val>
-                                            <p:strVal val="#ppt_y"/>
-                                          </p:val>
-                                        </p:tav>
-                                      </p:tavLst>
-                                    </p:anim>
-                                  </p:childTnLst>
-                                </p:cTn>
-                              </p:par>
-                            </p:childTnLst>
-                          </p:cTn>
-                        </p:par>
-                      </p:childTnLst>
-                    </p:cTn>
-                  </p:par>
-                  <p:par>
-                    <p:cTn id="35" fill="hold">
-                      <p:stCondLst>
-                        <p:cond delay="indefinite"/>
-                      </p:stCondLst>
-                      <p:childTnLst>
-                        <p:par>
-                          <p:cTn id="36" fill="hold">
-                            <p:stCondLst>
-                              <p:cond delay="0"/>
-                            </p:stCondLst>
-                            <p:childTnLst>
-                              <p:par>
-                                <p:cTn id="37" presetID="2" presetClass="entr" presetSubtype="4" fill="hold" nodeType="clickEffect">
-                                  <p:stCondLst>
-                                    <p:cond delay="0"/>
-                                  </p:stCondLst>
-                                  <p:childTnLst>
-                                    <p:set>
-                                      <p:cBhvr>
-                                        <p:cTn id="38" dur="1" fill="hold">
-                                          <p:stCondLst>
-                                            <p:cond delay="0"/>
-                                          </p:stCondLst>
-                                        </p:cTn>
-                                        <p:tgtEl>
-                                          <p:spTgt spid="4">
-                                            <p:txEl>
-                                              <p:pRg st="4" end="4"/>
-                                            </p:txEl>
-                                          </p:spTgt>
-                                        </p:tgtEl>
-                                        <p:attrNameLst>
-                                          <p:attrName>style.visibility</p:attrName>
-                                        </p:attrNameLst>
-                                      </p:cBhvr>
-                                      <p:to>
-                                        <p:strVal val="visible"/>
-                                      </p:to>
-                                    </p:set>
-                                    <p:anim calcmode="lin" valueType="num">
-                                      <p:cBhvr additive="base">
-                                        <p:cTn id="39" dur="500" fill="hold"/>
-                                        <p:tgtEl>
-                                          <p:spTgt spid="4">
-                                            <p:txEl>
-                                              <p:pRg st="4" end="4"/>
-                                            </p:txEl>
-                                          </p:spTgt>
-                                        </p:tgtEl>
-                                        <p:attrNameLst>
-                                          <p:attrName>ppt_x</p:attrName>
-                                        </p:attrNameLst>
-                                      </p:cBhvr>
-                                      <p:tavLst>
-                                        <p:tav tm="0">
-                                          <p:val>
-                                            <p:strVal val="#ppt_x"/>
-                                          </p:val>
-                                        </p:tav>
-                                        <p:tav tm="100000">
-                                          <p:val>
-                                            <p:strVal val="#ppt_x"/>
-                                          </p:val>
-                                        </p:tav>
-                                      </p:tavLst>
-                                    </p:anim>
-                                    <p:anim calcmode="lin" valueType="num">
-                                      <p:cBhvr additive="base">
-                                        <p:cTn id="40" dur="500" fill="hold"/>
-                                        <p:tgtEl>
-                                          <p:spTgt spid="4">
-                                            <p:txEl>
-                                              <p:pRg st="4" end="4"/>
+                                              <p:pRg st="2" end="2"/>
                                             </p:txEl>
                                           </p:spTgt>
                                         </p:tgtEl>

--- a/MediaBazaar_Presentation.pptx
+++ b/MediaBazaar_Presentation.pptx
@@ -781,6 +781,29 @@
           <a:bodyPr/>
           <a:lstStyle/>
           <a:p>
+            <a:pPr marL="0" marR="0" lvl="0" indent="0" algn="l" defTabSz="914400" rtl="0" eaLnBrk="1" fontAlgn="auto" latinLnBrk="0" hangingPunct="1">
+              <a:lnSpc>
+                <a:spcPct val="100000"/>
+              </a:lnSpc>
+              <a:spcBef>
+                <a:spcPts val="0"/>
+              </a:spcBef>
+              <a:spcAft>
+                <a:spcPts val="0"/>
+              </a:spcAft>
+              <a:buClrTx/>
+              <a:buSzTx/>
+              <a:buFontTx/>
+              <a:buNone/>
+              <a:tabLst/>
+              <a:defRPr/>
+            </a:pPr>
+            <a:r>
+              <a:rPr lang="en-GB" sz="1200" dirty="0"/>
+              <a:t>The company Media Bazaar is planning to open their first shop in Eindhoven. Their administration is the backbone that manages all aspects of the company, therefore, they hired us to implement an administrative system.</a:t>
+            </a:r>
+          </a:p>
+          <a:p>
             <a:endParaRPr lang="en-US" dirty="0"/>
           </a:p>
         </p:txBody>
@@ -865,6 +888,392 @@
           <a:bodyPr/>
           <a:lstStyle/>
           <a:p>
+            <a:pPr marL="0" marR="0" lvl="0" indent="0" algn="l" defTabSz="914400" rtl="0" eaLnBrk="1" fontAlgn="auto" latinLnBrk="0" hangingPunct="1">
+              <a:lnSpc>
+                <a:spcPct val="100000"/>
+              </a:lnSpc>
+              <a:spcBef>
+                <a:spcPts val="0"/>
+              </a:spcBef>
+              <a:spcAft>
+                <a:spcPts val="0"/>
+              </a:spcAft>
+              <a:buClrTx/>
+              <a:buSzTx/>
+              <a:buFontTx/>
+              <a:buNone/>
+              <a:tabLst/>
+              <a:defRPr/>
+            </a:pPr>
+            <a:r>
+              <a:rPr lang="en-US" dirty="0"/>
+              <a:t>1. ( Viewing and editing data, assigning work shifts)</a:t>
+            </a:r>
+          </a:p>
+          <a:p>
+            <a:pPr marL="0" marR="0" lvl="0" indent="0" algn="l" defTabSz="914400" rtl="0" eaLnBrk="1" fontAlgn="auto" latinLnBrk="0" hangingPunct="1">
+              <a:lnSpc>
+                <a:spcPct val="100000"/>
+              </a:lnSpc>
+              <a:spcBef>
+                <a:spcPts val="0"/>
+              </a:spcBef>
+              <a:spcAft>
+                <a:spcPts val="0"/>
+              </a:spcAft>
+              <a:buClrTx/>
+              <a:buSzTx/>
+              <a:buFontTx/>
+              <a:buNone/>
+              <a:tabLst/>
+              <a:defRPr/>
+            </a:pPr>
+            <a:r>
+              <a:rPr lang="en-US" dirty="0"/>
+              <a:t>2. ( Employees, Departments, Shifts )</a:t>
+            </a:r>
+          </a:p>
+          <a:p>
+            <a:pPr marL="0" marR="0" lvl="0" indent="0" algn="l" defTabSz="914400" rtl="0" eaLnBrk="1" fontAlgn="auto" latinLnBrk="0" hangingPunct="1">
+              <a:lnSpc>
+                <a:spcPct val="100000"/>
+              </a:lnSpc>
+              <a:spcBef>
+                <a:spcPts val="0"/>
+              </a:spcBef>
+              <a:spcAft>
+                <a:spcPts val="0"/>
+              </a:spcAft>
+              <a:buClrTx/>
+              <a:buSzTx/>
+              <a:buFontTx/>
+              <a:buNone/>
+              <a:tabLst/>
+              <a:defRPr/>
+            </a:pPr>
+            <a:r>
+              <a:rPr lang="en-US" dirty="0"/>
+              <a:t>3. Providing Personal Information for Employees and Ability to Change it</a:t>
+            </a:r>
+          </a:p>
+          <a:p>
+            <a:endParaRPr lang="en-US" dirty="0"/>
+          </a:p>
+        </p:txBody>
+      </p:sp>
+      <p:sp>
+        <p:nvSpPr>
+          <p:cNvPr id="4" name="Slide Number Placeholder 3"/>
+          <p:cNvSpPr>
+            <a:spLocks noGrp="1"/>
+          </p:cNvSpPr>
+          <p:nvPr>
+            <p:ph type="sldNum" sz="quarter" idx="5"/>
+          </p:nvPr>
+        </p:nvSpPr>
+        <p:spPr/>
+        <p:txBody>
+          <a:bodyPr/>
+          <a:lstStyle/>
+          <a:p>
+            <a:fld id="{BAE16020-3346-4CE2-AC29-4A1F4C9BE9F3}" type="slidenum">
+              <a:rPr lang="en-GB" smtClean="0"/>
+              <a:t>3</a:t>
+            </a:fld>
+            <a:endParaRPr lang="en-GB"/>
+          </a:p>
+        </p:txBody>
+      </p:sp>
+    </p:spTree>
+    <p:extLst>
+      <p:ext uri="{BB962C8B-B14F-4D97-AF65-F5344CB8AC3E}">
+        <p14:creationId xmlns:p14="http://schemas.microsoft.com/office/powerpoint/2010/main" val="1070066138"/>
+      </p:ext>
+    </p:extLst>
+  </p:cSld>
+  <p:clrMapOvr>
+    <a:masterClrMapping/>
+  </p:clrMapOvr>
+</p:notes>
+</file>
+
+<file path=ppt/notesSlides/notesSlide4.xml><?xml version="1.0" encoding="utf-8"?>
+<p:notes xmlns:a="http://schemas.openxmlformats.org/drawingml/2006/main" xmlns:r="http://schemas.openxmlformats.org/officeDocument/2006/relationships" xmlns:p="http://schemas.openxmlformats.org/presentationml/2006/main">
+  <p:cSld>
+    <p:spTree>
+      <p:nvGrpSpPr>
+        <p:cNvPr id="1" name=""/>
+        <p:cNvGrpSpPr/>
+        <p:nvPr/>
+      </p:nvGrpSpPr>
+      <p:grpSpPr>
+        <a:xfrm>
+          <a:off x="0" y="0"/>
+          <a:ext cx="0" cy="0"/>
+          <a:chOff x="0" y="0"/>
+          <a:chExt cx="0" cy="0"/>
+        </a:xfrm>
+      </p:grpSpPr>
+      <p:sp>
+        <p:nvSpPr>
+          <p:cNvPr id="2" name="Slide Image Placeholder 1"/>
+          <p:cNvSpPr>
+            <a:spLocks noGrp="1" noRot="1" noChangeAspect="1"/>
+          </p:cNvSpPr>
+          <p:nvPr>
+            <p:ph type="sldImg"/>
+          </p:nvPr>
+        </p:nvSpPr>
+        <p:spPr/>
+      </p:sp>
+      <p:sp>
+        <p:nvSpPr>
+          <p:cNvPr id="3" name="Notes Placeholder 2"/>
+          <p:cNvSpPr>
+            <a:spLocks noGrp="1"/>
+          </p:cNvSpPr>
+          <p:nvPr>
+            <p:ph type="body" idx="1"/>
+          </p:nvPr>
+        </p:nvSpPr>
+        <p:spPr/>
+        <p:txBody>
+          <a:bodyPr/>
+          <a:lstStyle/>
+          <a:p>
+            <a:pPr marL="0" marR="0" lvl="0" indent="0" algn="l" defTabSz="914400" rtl="0" eaLnBrk="1" fontAlgn="auto" latinLnBrk="0" hangingPunct="1">
+              <a:lnSpc>
+                <a:spcPct val="100000"/>
+              </a:lnSpc>
+              <a:spcBef>
+                <a:spcPts val="0"/>
+              </a:spcBef>
+              <a:spcAft>
+                <a:spcPts val="0"/>
+              </a:spcAft>
+              <a:buClrTx/>
+              <a:buSzTx/>
+              <a:buFontTx/>
+              <a:buNone/>
+              <a:tabLst/>
+              <a:defRPr/>
+            </a:pPr>
+            <a:r>
+              <a:rPr lang="ru-RU" dirty="0">
+                <a:effectLst/>
+                <a:latin typeface="Arial" panose="020B0604020202020204" pitchFamily="34" charset="0"/>
+                <a:ea typeface="Times New Roman" panose="02020603050405020304" pitchFamily="18" charset="0"/>
+                <a:cs typeface="Arial" panose="020B0604020202020204" pitchFamily="34" charset="0"/>
+              </a:rPr>
+              <a:t>Creating a system which would provide a better </a:t>
+            </a:r>
+            <a:r>
+              <a:rPr lang="en-US" dirty="0">
+                <a:latin typeface="Arial" panose="020B0604020202020204" pitchFamily="34" charset="0"/>
+                <a:ea typeface="Times New Roman" panose="02020603050405020304" pitchFamily="18" charset="0"/>
+                <a:cs typeface="Arial" panose="020B0604020202020204" pitchFamily="34" charset="0"/>
+              </a:rPr>
+              <a:t> </a:t>
+            </a:r>
+            <a:r>
+              <a:rPr lang="ru-RU" dirty="0">
+                <a:effectLst/>
+                <a:latin typeface="Arial" panose="020B0604020202020204" pitchFamily="34" charset="0"/>
+                <a:ea typeface="Times New Roman" panose="02020603050405020304" pitchFamily="18" charset="0"/>
+                <a:cs typeface="Arial" panose="020B0604020202020204" pitchFamily="34" charset="0"/>
+              </a:rPr>
+              <a:t>monitoring of employees for </a:t>
+            </a:r>
+            <a:r>
+              <a:rPr lang="en-US" dirty="0">
+                <a:latin typeface="Arial" panose="020B0604020202020204" pitchFamily="34" charset="0"/>
+                <a:ea typeface="Times New Roman" panose="02020603050405020304" pitchFamily="18" charset="0"/>
+                <a:cs typeface="Arial" panose="020B0604020202020204" pitchFamily="34" charset="0"/>
+              </a:rPr>
+              <a:t>  </a:t>
+            </a:r>
+            <a:r>
+              <a:rPr lang="ru-RU" dirty="0">
+                <a:effectLst/>
+                <a:latin typeface="Arial" panose="020B0604020202020204" pitchFamily="34" charset="0"/>
+                <a:ea typeface="Times New Roman" panose="02020603050405020304" pitchFamily="18" charset="0"/>
+                <a:cs typeface="Arial" panose="020B0604020202020204" pitchFamily="34" charset="0"/>
+              </a:rPr>
+              <a:t>administration (attendance, hours of work, schedule, etc) and add new deparments </a:t>
+            </a:r>
+            <a:r>
+              <a:rPr lang="en-US" dirty="0" err="1">
+                <a:effectLst/>
+                <a:latin typeface="Arial" panose="020B0604020202020204" pitchFamily="34" charset="0"/>
+                <a:ea typeface="Times New Roman" panose="02020603050405020304" pitchFamily="18" charset="0"/>
+                <a:cs typeface="Arial" panose="020B0604020202020204" pitchFamily="34" charset="0"/>
+              </a:rPr>
+              <a:t>i</a:t>
+            </a:r>
+            <a:r>
+              <a:rPr lang="ru-RU" dirty="0">
+                <a:effectLst/>
+                <a:latin typeface="Arial" panose="020B0604020202020204" pitchFamily="34" charset="0"/>
+                <a:ea typeface="Times New Roman" panose="02020603050405020304" pitchFamily="18" charset="0"/>
+                <a:cs typeface="Arial" panose="020B0604020202020204" pitchFamily="34" charset="0"/>
+              </a:rPr>
+              <a:t>f needed.</a:t>
+            </a:r>
+            <a:endParaRPr lang="en-US" dirty="0">
+              <a:effectLst/>
+              <a:latin typeface="Arial" panose="020B0604020202020204" pitchFamily="34" charset="0"/>
+              <a:ea typeface="Times New Roman" panose="02020603050405020304" pitchFamily="18" charset="0"/>
+              <a:cs typeface="Arial" panose="020B0604020202020204" pitchFamily="34" charset="0"/>
+            </a:endParaRPr>
+          </a:p>
+          <a:p>
+            <a:pPr marL="0" marR="0" lvl="0" indent="0" algn="l" defTabSz="914400" rtl="0" eaLnBrk="1" fontAlgn="auto" latinLnBrk="0" hangingPunct="1">
+              <a:lnSpc>
+                <a:spcPct val="100000"/>
+              </a:lnSpc>
+              <a:spcBef>
+                <a:spcPts val="0"/>
+              </a:spcBef>
+              <a:spcAft>
+                <a:spcPts val="0"/>
+              </a:spcAft>
+              <a:buClrTx/>
+              <a:buSzTx/>
+              <a:buFontTx/>
+              <a:buNone/>
+              <a:tabLst/>
+              <a:defRPr/>
+            </a:pPr>
+            <a:r>
+              <a:rPr lang="ru-RU" sz="1200" dirty="0">
+                <a:effectLst/>
+                <a:latin typeface="Arial" panose="020B0604020202020204" pitchFamily="34" charset="0"/>
+                <a:ea typeface="Times New Roman" panose="02020603050405020304" pitchFamily="18" charset="0"/>
+                <a:cs typeface="Arial" panose="020B0604020202020204" pitchFamily="34" charset="0"/>
+              </a:rPr>
+              <a:t>Application for managers to view various statistics of employees, departmen</a:t>
+            </a:r>
+            <a:r>
+              <a:rPr lang="en-US" sz="1200" dirty="0" err="1">
+                <a:effectLst/>
+                <a:latin typeface="Arial" panose="020B0604020202020204" pitchFamily="34" charset="0"/>
+                <a:ea typeface="Times New Roman" panose="02020603050405020304" pitchFamily="18" charset="0"/>
+                <a:cs typeface="Arial" panose="020B0604020202020204" pitchFamily="34" charset="0"/>
+              </a:rPr>
+              <a:t>ts</a:t>
+            </a:r>
+            <a:r>
+              <a:rPr lang="ru-RU" sz="1200" dirty="0">
+                <a:effectLst/>
+                <a:latin typeface="Arial" panose="020B0604020202020204" pitchFamily="34" charset="0"/>
+                <a:ea typeface="Times New Roman" panose="02020603050405020304" pitchFamily="18" charset="0"/>
+                <a:cs typeface="Arial" panose="020B0604020202020204" pitchFamily="34" charset="0"/>
+              </a:rPr>
+              <a:t> </a:t>
+            </a:r>
+            <a:r>
+              <a:rPr lang="en-US" sz="1200" dirty="0">
+                <a:effectLst/>
+                <a:latin typeface="Arial" panose="020B0604020202020204" pitchFamily="34" charset="0"/>
+                <a:ea typeface="Times New Roman" panose="02020603050405020304" pitchFamily="18" charset="0"/>
+                <a:cs typeface="Arial" panose="020B0604020202020204" pitchFamily="34" charset="0"/>
+              </a:rPr>
+              <a:t>s</a:t>
+            </a:r>
+            <a:r>
+              <a:rPr lang="ru-RU" sz="1200" dirty="0">
+                <a:effectLst/>
+                <a:latin typeface="Arial" panose="020B0604020202020204" pitchFamily="34" charset="0"/>
+                <a:ea typeface="Times New Roman" panose="02020603050405020304" pitchFamily="18" charset="0"/>
+                <a:cs typeface="Arial" panose="020B0604020202020204" pitchFamily="34" charset="0"/>
+              </a:rPr>
+              <a:t>tock</a:t>
+            </a:r>
+            <a:endParaRPr lang="en-US" sz="1200" dirty="0">
+              <a:effectLst/>
+              <a:latin typeface="Arial" panose="020B0604020202020204" pitchFamily="34" charset="0"/>
+              <a:ea typeface="Times New Roman" panose="02020603050405020304" pitchFamily="18" charset="0"/>
+              <a:cs typeface="Arial" panose="020B0604020202020204" pitchFamily="34" charset="0"/>
+            </a:endParaRPr>
+          </a:p>
+          <a:p>
+            <a:pPr marL="0" marR="0" lvl="0" indent="0" algn="l" defTabSz="914400" rtl="0" eaLnBrk="1" fontAlgn="auto" latinLnBrk="0" hangingPunct="1">
+              <a:lnSpc>
+                <a:spcPct val="100000"/>
+              </a:lnSpc>
+              <a:spcBef>
+                <a:spcPts val="0"/>
+              </a:spcBef>
+              <a:spcAft>
+                <a:spcPts val="0"/>
+              </a:spcAft>
+              <a:buClrTx/>
+              <a:buSzTx/>
+              <a:buFontTx/>
+              <a:buNone/>
+              <a:tabLst/>
+              <a:defRPr/>
+            </a:pPr>
+            <a:r>
+              <a:rPr lang="ru-RU" sz="1200" dirty="0">
+                <a:effectLst/>
+                <a:latin typeface="Arial" panose="020B0604020202020204" pitchFamily="34" charset="0"/>
+                <a:ea typeface="Times New Roman" panose="02020603050405020304" pitchFamily="18" charset="0"/>
+                <a:cs typeface="Arial" panose="020B0604020202020204" pitchFamily="34" charset="0"/>
+              </a:rPr>
+              <a:t>Website for employees where they would be able to adjust their personal informatio</a:t>
+            </a:r>
+            <a:r>
+              <a:rPr lang="en-US" sz="1200" dirty="0" err="1">
+                <a:effectLst/>
+                <a:latin typeface="Arial" panose="020B0604020202020204" pitchFamily="34" charset="0"/>
+                <a:ea typeface="Times New Roman" panose="02020603050405020304" pitchFamily="18" charset="0"/>
+                <a:cs typeface="Arial" panose="020B0604020202020204" pitchFamily="34" charset="0"/>
+              </a:rPr>
+              <a:t>n</a:t>
+            </a:r>
+            <a:r>
+              <a:rPr lang="en-US" dirty="0" err="1">
+                <a:latin typeface="Arial" panose="020B0604020202020204" pitchFamily="34" charset="0"/>
+                <a:ea typeface="Times New Roman" panose="02020603050405020304" pitchFamily="18" charset="0"/>
+                <a:cs typeface="Arial" panose="020B0604020202020204" pitchFamily="34" charset="0"/>
+              </a:rPr>
+              <a:t>and</a:t>
+            </a:r>
+            <a:r>
+              <a:rPr lang="en-US" dirty="0">
+                <a:latin typeface="Arial" panose="020B0604020202020204" pitchFamily="34" charset="0"/>
+                <a:ea typeface="Times New Roman" panose="02020603050405020304" pitchFamily="18" charset="0"/>
+                <a:cs typeface="Arial" panose="020B0604020202020204" pitchFamily="34" charset="0"/>
+              </a:rPr>
+              <a:t> </a:t>
+            </a:r>
+            <a:r>
+              <a:rPr lang="ru-RU" sz="1200" dirty="0">
+                <a:effectLst/>
+                <a:latin typeface="Arial" panose="020B0604020202020204" pitchFamily="34" charset="0"/>
+                <a:ea typeface="Times New Roman" panose="02020603050405020304" pitchFamily="18" charset="0"/>
+                <a:cs typeface="Arial" panose="020B0604020202020204" pitchFamily="34" charset="0"/>
+              </a:rPr>
+              <a:t>view their workshifts</a:t>
+            </a:r>
+            <a:r>
+              <a:rPr lang="ro-RO" sz="1200" dirty="0">
+                <a:effectLst/>
+                <a:latin typeface="Arial" panose="020B0604020202020204" pitchFamily="34" charset="0"/>
+                <a:ea typeface="Times New Roman" panose="02020603050405020304" pitchFamily="18" charset="0"/>
+                <a:cs typeface="Arial" panose="020B0604020202020204" pitchFamily="34" charset="0"/>
+              </a:rPr>
+              <a:t> </a:t>
+            </a:r>
+            <a:endParaRPr lang="en-US" sz="1200" dirty="0">
+              <a:effectLst/>
+              <a:latin typeface="Arial" panose="020B0604020202020204" pitchFamily="34" charset="0"/>
+              <a:ea typeface="Times New Roman" panose="02020603050405020304" pitchFamily="18" charset="0"/>
+              <a:cs typeface="Arial" panose="020B0604020202020204" pitchFamily="34" charset="0"/>
+            </a:endParaRPr>
+          </a:p>
+          <a:p>
             <a:endParaRPr lang="en-US" dirty="0"/>
           </a:p>
         </p:txBody>
@@ -896,6 +1305,113 @@
     <p:extLst>
       <p:ext uri="{BB962C8B-B14F-4D97-AF65-F5344CB8AC3E}">
         <p14:creationId xmlns:p14="http://schemas.microsoft.com/office/powerpoint/2010/main" val="2729649517"/>
+      </p:ext>
+    </p:extLst>
+  </p:cSld>
+  <p:clrMapOvr>
+    <a:masterClrMapping/>
+  </p:clrMapOvr>
+</p:notes>
+</file>
+
+<file path=ppt/notesSlides/notesSlide5.xml><?xml version="1.0" encoding="utf-8"?>
+<p:notes xmlns:a="http://schemas.openxmlformats.org/drawingml/2006/main" xmlns:r="http://schemas.openxmlformats.org/officeDocument/2006/relationships" xmlns:p="http://schemas.openxmlformats.org/presentationml/2006/main">
+  <p:cSld>
+    <p:spTree>
+      <p:nvGrpSpPr>
+        <p:cNvPr id="1" name=""/>
+        <p:cNvGrpSpPr/>
+        <p:nvPr/>
+      </p:nvGrpSpPr>
+      <p:grpSpPr>
+        <a:xfrm>
+          <a:off x="0" y="0"/>
+          <a:ext cx="0" cy="0"/>
+          <a:chOff x="0" y="0"/>
+          <a:chExt cx="0" cy="0"/>
+        </a:xfrm>
+      </p:grpSpPr>
+      <p:sp>
+        <p:nvSpPr>
+          <p:cNvPr id="2" name="Slide Image Placeholder 1"/>
+          <p:cNvSpPr>
+            <a:spLocks noGrp="1" noRot="1" noChangeAspect="1"/>
+          </p:cNvSpPr>
+          <p:nvPr>
+            <p:ph type="sldImg"/>
+          </p:nvPr>
+        </p:nvSpPr>
+        <p:spPr/>
+      </p:sp>
+      <p:sp>
+        <p:nvSpPr>
+          <p:cNvPr id="3" name="Notes Placeholder 2"/>
+          <p:cNvSpPr>
+            <a:spLocks noGrp="1"/>
+          </p:cNvSpPr>
+          <p:nvPr>
+            <p:ph type="body" idx="1"/>
+          </p:nvPr>
+        </p:nvSpPr>
+        <p:spPr/>
+        <p:txBody>
+          <a:bodyPr/>
+          <a:lstStyle/>
+          <a:p>
+            <a:pPr marL="0" marR="0" lvl="0" indent="0" algn="l" defTabSz="914400" rtl="0" eaLnBrk="1" fontAlgn="auto" latinLnBrk="0" hangingPunct="1">
+              <a:lnSpc>
+                <a:spcPct val="100000"/>
+              </a:lnSpc>
+              <a:spcBef>
+                <a:spcPts val="0"/>
+              </a:spcBef>
+              <a:spcAft>
+                <a:spcPts val="0"/>
+              </a:spcAft>
+              <a:buClrTx/>
+              <a:buSzTx/>
+              <a:buFontTx/>
+              <a:buNone/>
+              <a:tabLst/>
+              <a:defRPr/>
+            </a:pPr>
+            <a:r>
+              <a:rPr lang="en-US" dirty="0"/>
+              <a:t>With the help of the functionalities implemented by us, the problems in question will be fixed. This application will help the company Media Bazaar keep track of their employees and stock.</a:t>
+            </a:r>
+          </a:p>
+          <a:p>
+            <a:endParaRPr lang="en-US" dirty="0"/>
+          </a:p>
+        </p:txBody>
+      </p:sp>
+      <p:sp>
+        <p:nvSpPr>
+          <p:cNvPr id="4" name="Slide Number Placeholder 3"/>
+          <p:cNvSpPr>
+            <a:spLocks noGrp="1"/>
+          </p:cNvSpPr>
+          <p:nvPr>
+            <p:ph type="sldNum" sz="quarter" idx="5"/>
+          </p:nvPr>
+        </p:nvSpPr>
+        <p:spPr/>
+        <p:txBody>
+          <a:bodyPr/>
+          <a:lstStyle/>
+          <a:p>
+            <a:fld id="{BAE16020-3346-4CE2-AC29-4A1F4C9BE9F3}" type="slidenum">
+              <a:rPr lang="en-GB" smtClean="0"/>
+              <a:t>5</a:t>
+            </a:fld>
+            <a:endParaRPr lang="en-GB"/>
+          </a:p>
+        </p:txBody>
+      </p:sp>
+    </p:spTree>
+    <p:extLst>
+      <p:ext uri="{BB962C8B-B14F-4D97-AF65-F5344CB8AC3E}">
+        <p14:creationId xmlns:p14="http://schemas.microsoft.com/office/powerpoint/2010/main" val="3980212205"/>
       </p:ext>
     </p:extLst>
   </p:cSld>
@@ -3103,9 +3619,14 @@
             <p:ph type="title"/>
           </p:nvPr>
         </p:nvSpPr>
-        <p:spPr/>
+        <p:spPr>
+          <a:xfrm>
+            <a:off x="457200" y="206375"/>
+            <a:ext cx="8229600" cy="857250"/>
+          </a:xfrm>
+        </p:spPr>
         <p:txBody>
-          <a:bodyPr>
+          <a:bodyPr anchor="ctr">
             <a:normAutofit/>
           </a:bodyPr>
           <a:lstStyle/>
@@ -3124,13 +3645,13 @@
             <a:spLocks noGrp="1"/>
           </p:cNvSpPr>
           <p:nvPr>
-            <p:ph idx="1"/>
+            <p:ph sz="half" idx="1"/>
           </p:nvPr>
         </p:nvSpPr>
         <p:spPr>
           <a:xfrm>
-            <a:off x="457199" y="1069525"/>
-            <a:ext cx="7279419" cy="3572461"/>
+            <a:off x="457200" y="1200151"/>
+            <a:ext cx="4038600" cy="2894954"/>
           </a:xfrm>
         </p:spPr>
         <p:txBody>
@@ -3140,18 +3661,69 @@
           <a:lstStyle/>
           <a:p>
             <a:pPr marL="385763">
-              <a:lnSpc>
-                <a:spcPct val="150000"/>
-              </a:lnSpc>
               <a:defRPr/>
             </a:pPr>
             <a:r>
-              <a:rPr lang="en-GB" sz="1800" dirty="0"/>
-              <a:t>The company Media Bazaar is planning to open their first shop in Eindhoven. Their administration is the backbone that manages all aspects of the company, therefore, they hired us to implement an administrative system.</a:t>
-            </a:r>
+              <a:rPr lang="en-GB"/>
+              <a:t>The company Media Bazaar is planning to open their first shop in Eindhoven!</a:t>
+            </a:r>
+          </a:p>
+          <a:p>
+            <a:pPr marL="385763">
+              <a:defRPr/>
+            </a:pPr>
+            <a:endParaRPr lang="en-GB"/>
           </a:p>
         </p:txBody>
       </p:sp>
+      <p:pic>
+        <p:nvPicPr>
+          <p:cNvPr id="1026" name="Picture 2" descr="The Benefits of Opening a Pop-Up Shop (and 6 Essentials to Have) - Retail  Minded">
+            <a:extLst>
+              <a:ext uri="{FF2B5EF4-FFF2-40B4-BE49-F238E27FC236}">
+                <a16:creationId xmlns:a16="http://schemas.microsoft.com/office/drawing/2014/main" id="{DF8833D4-5EC6-467D-8262-2A31C7E4F3C6}"/>
+              </a:ext>
+            </a:extLst>
+          </p:cNvPr>
+          <p:cNvPicPr>
+            <a:picLocks noChangeAspect="1" noChangeArrowheads="1"/>
+          </p:cNvPicPr>
+          <p:nvPr/>
+        </p:nvPicPr>
+        <p:blipFill>
+          <a:blip r:embed="rId3">
+            <a:extLst>
+              <a:ext uri="{28A0092B-C50C-407E-A947-70E740481C1C}">
+                <a14:useLocalDpi xmlns:a14="http://schemas.microsoft.com/office/drawing/2010/main" val="0"/>
+              </a:ext>
+            </a:extLst>
+          </a:blip>
+          <a:stretch>
+            <a:fillRect/>
+          </a:stretch>
+        </p:blipFill>
+        <p:spPr bwMode="auto">
+          <a:xfrm>
+            <a:off x="4648200" y="1511771"/>
+            <a:ext cx="4038600" cy="2271712"/>
+          </a:xfrm>
+          <a:prstGeom prst="rect">
+            <a:avLst/>
+          </a:prstGeom>
+          <a:solidFill>
+            <a:srgbClr val="FFFFFF"/>
+          </a:solidFill>
+          <a:extLst>
+            <a:ext uri="{909E8E84-426E-40DD-AFC4-6F175D3DCCD1}">
+              <a14:hiddenFill xmlns:a14="http://schemas.microsoft.com/office/drawing/2010/main">
+                <a:solidFill>
+                  <a:srgbClr val="FFFFFF"/>
+                </a:solidFill>
+              </a14:hiddenFill>
+            </a:ext>
+          </a:extLst>
+        </p:spPr>
+      </p:pic>
       <p:sp>
         <p:nvSpPr>
           <p:cNvPr id="2" name="Slide Number Placeholder 1"/>
@@ -3162,13 +3734,36 @@
             <p:ph type="sldNum" sz="quarter" idx="12"/>
           </p:nvPr>
         </p:nvSpPr>
-        <p:spPr/>
+        <p:spPr>
+          <a:xfrm>
+            <a:off x="6970292" y="4641986"/>
+            <a:ext cx="829797" cy="273844"/>
+          </a:xfrm>
+        </p:spPr>
         <p:txBody>
-          <a:bodyPr/>
+          <a:bodyPr anchor="ctr">
+            <a:normAutofit/>
+          </a:bodyPr>
           <a:lstStyle/>
           <a:p>
+            <a:pPr>
+              <a:lnSpc>
+                <a:spcPct val="90000"/>
+              </a:lnSpc>
+              <a:spcAft>
+                <a:spcPts val="600"/>
+              </a:spcAft>
+            </a:pPr>
             <a:fld id="{CC1A7FFB-7E9A-E347-8F80-8E2C647B3625}" type="slidenum">
               <a:rPr lang="nl-NL" smtClean="0"/>
+              <a:pPr>
+                <a:lnSpc>
+                  <a:spcPct val="90000"/>
+                </a:lnSpc>
+                <a:spcAft>
+                  <a:spcPts val="600"/>
+                </a:spcAft>
+              </a:pPr>
               <a:t>2</a:t>
             </a:fld>
             <a:endParaRPr lang="nl-NL"/>
@@ -3452,9 +4047,16 @@
             <p:ph type="title"/>
           </p:nvPr>
         </p:nvSpPr>
-        <p:spPr/>
+        <p:spPr>
+          <a:xfrm>
+            <a:off x="457200" y="206375"/>
+            <a:ext cx="8229600" cy="857250"/>
+          </a:xfrm>
+        </p:spPr>
         <p:txBody>
-          <a:bodyPr/>
+          <a:bodyPr anchor="ctr">
+            <a:normAutofit/>
+          </a:bodyPr>
           <a:lstStyle/>
           <a:p>
             <a:r>
@@ -3483,32 +4085,82 @@
         <p:spPr>
           <a:xfrm>
             <a:off x="457200" y="1200151"/>
-            <a:ext cx="8416456" cy="2894954"/>
+            <a:ext cx="4038600" cy="2894954"/>
           </a:xfrm>
         </p:spPr>
         <p:txBody>
-          <a:bodyPr/>
+          <a:bodyPr>
+            <a:normAutofit/>
+          </a:bodyPr>
           <a:lstStyle/>
           <a:p>
             <a:r>
               <a:rPr lang="en-US" dirty="0"/>
-              <a:t>Organizing Employees ( Viewing and editing data, assigning work 							shifts)</a:t>
+              <a:t>Organizing Employees </a:t>
             </a:r>
           </a:p>
           <a:p>
             <a:r>
               <a:rPr lang="en-US" dirty="0"/>
-              <a:t>Storing and Working with Data ( Employees, Departments, Shifts )</a:t>
+              <a:t>Storing and Working with Data </a:t>
             </a:r>
           </a:p>
           <a:p>
             <a:r>
               <a:rPr lang="en-US" dirty="0"/>
-              <a:t>Providing Personal Information for Employees and Ability to Change it</a:t>
+              <a:t>Managing Information</a:t>
             </a:r>
           </a:p>
         </p:txBody>
       </p:sp>
+      <p:pic>
+        <p:nvPicPr>
+          <p:cNvPr id="2050" name="Picture 2" descr="Problem - Free user icons">
+            <a:extLst>
+              <a:ext uri="{FF2B5EF4-FFF2-40B4-BE49-F238E27FC236}">
+                <a16:creationId xmlns:a16="http://schemas.microsoft.com/office/drawing/2014/main" id="{79BA5F0A-6827-4C0B-8A4C-2DE7885587ED}"/>
+              </a:ext>
+            </a:extLst>
+          </p:cNvPr>
+          <p:cNvPicPr>
+            <a:picLocks noChangeAspect="1" noChangeArrowheads="1"/>
+          </p:cNvPicPr>
+          <p:nvPr/>
+        </p:nvPicPr>
+        <p:blipFill>
+          <a:blip r:embed="rId3">
+            <a:extLst>
+              <a:ext uri="{28A0092B-C50C-407E-A947-70E740481C1C}">
+                <a14:useLocalDpi xmlns:a14="http://schemas.microsoft.com/office/drawing/2010/main" val="0"/>
+              </a:ext>
+            </a:extLst>
+          </a:blip>
+          <a:stretch>
+            <a:fillRect/>
+          </a:stretch>
+        </p:blipFill>
+        <p:spPr bwMode="auto">
+          <a:xfrm>
+            <a:off x="5220022" y="1200150"/>
+            <a:ext cx="2894955" cy="2894955"/>
+          </a:xfrm>
+          <a:prstGeom prst="rect">
+            <a:avLst/>
+          </a:prstGeom>
+          <a:solidFill>
+            <a:srgbClr val="FFFFFF"/>
+          </a:solidFill>
+          <a:extLst>
+            <a:ext uri="{909E8E84-426E-40DD-AFC4-6F175D3DCCD1}">
+              <a14:hiddenFill xmlns:a14="http://schemas.microsoft.com/office/drawing/2010/main">
+                <a:solidFill>
+                  <a:srgbClr val="FFFFFF"/>
+                </a:solidFill>
+              </a14:hiddenFill>
+            </a:ext>
+          </a:extLst>
+        </p:spPr>
+      </p:pic>
       <p:sp>
         <p:nvSpPr>
           <p:cNvPr id="5" name="Slide Number Placeholder 4">
@@ -3525,16 +4177,39 @@
             <p:ph type="sldNum" sz="quarter" idx="12"/>
           </p:nvPr>
         </p:nvSpPr>
-        <p:spPr/>
+        <p:spPr>
+          <a:xfrm>
+            <a:off x="6970292" y="4641986"/>
+            <a:ext cx="829797" cy="273844"/>
+          </a:xfrm>
+        </p:spPr>
         <p:txBody>
-          <a:bodyPr/>
+          <a:bodyPr anchor="ctr">
+            <a:normAutofit/>
+          </a:bodyPr>
           <a:lstStyle/>
           <a:p>
+            <a:pPr>
+              <a:lnSpc>
+                <a:spcPct val="90000"/>
+              </a:lnSpc>
+              <a:spcAft>
+                <a:spcPts val="600"/>
+              </a:spcAft>
+            </a:pPr>
             <a:fld id="{CC1A7FFB-7E9A-E347-8F80-8E2C647B3625}" type="slidenum">
               <a:rPr lang="nl-NL" smtClean="0"/>
+              <a:pPr>
+                <a:lnSpc>
+                  <a:spcPct val="90000"/>
+                </a:lnSpc>
+                <a:spcAft>
+                  <a:spcPts val="600"/>
+                </a:spcAft>
+              </a:pPr>
               <a:t>3</a:t>
             </a:fld>
-            <a:endParaRPr lang="nl-NL" dirty="0"/>
+            <a:endParaRPr lang="nl-NL"/>
           </a:p>
         </p:txBody>
       </p:sp>
@@ -4282,7 +4957,7 @@
         <p:spPr>
           <a:xfrm>
             <a:off x="457200" y="1063625"/>
-            <a:ext cx="8464163" cy="2615203"/>
+            <a:ext cx="8464163" cy="1022139"/>
           </a:xfrm>
           <a:prstGeom prst="rect">
             <a:avLst/>
@@ -4319,59 +4994,7 @@
                 <a:ea typeface="Times New Roman" panose="02020603050405020304" pitchFamily="18" charset="0"/>
                 <a:cs typeface="Arial" panose="020B0604020202020204" pitchFamily="34" charset="0"/>
               </a:rPr>
-              <a:t>Creating a system which would provide a better </a:t>
-            </a:r>
-            <a:r>
-              <a:rPr lang="en-US" dirty="0">
-                <a:latin typeface="Arial" panose="020B0604020202020204" pitchFamily="34" charset="0"/>
-                <a:ea typeface="Times New Roman" panose="02020603050405020304" pitchFamily="18" charset="0"/>
-                <a:cs typeface="Arial" panose="020B0604020202020204" pitchFamily="34" charset="0"/>
-              </a:rPr>
-              <a:t> </a:t>
-            </a:r>
-            <a:r>
-              <a:rPr lang="ru-RU" dirty="0">
-                <a:effectLst/>
-                <a:latin typeface="Arial" panose="020B0604020202020204" pitchFamily="34" charset="0"/>
-                <a:ea typeface="Times New Roman" panose="02020603050405020304" pitchFamily="18" charset="0"/>
-                <a:cs typeface="Arial" panose="020B0604020202020204" pitchFamily="34" charset="0"/>
-              </a:rPr>
-              <a:t>monitoring of employees for </a:t>
-            </a:r>
-            <a:r>
-              <a:rPr lang="en-US" dirty="0">
-                <a:latin typeface="Arial" panose="020B0604020202020204" pitchFamily="34" charset="0"/>
-                <a:ea typeface="Times New Roman" panose="02020603050405020304" pitchFamily="18" charset="0"/>
-                <a:cs typeface="Arial" panose="020B0604020202020204" pitchFamily="34" charset="0"/>
-              </a:rPr>
-              <a:t>  </a:t>
-            </a:r>
-            <a:r>
-              <a:rPr lang="ru-RU" dirty="0">
-                <a:effectLst/>
-                <a:latin typeface="Arial" panose="020B0604020202020204" pitchFamily="34" charset="0"/>
-                <a:ea typeface="Times New Roman" panose="02020603050405020304" pitchFamily="18" charset="0"/>
-                <a:cs typeface="Arial" panose="020B0604020202020204" pitchFamily="34" charset="0"/>
-              </a:rPr>
-              <a:t>administration (attendance, hours of work, schedule, etc) and add new deparments </a:t>
-            </a:r>
-            <a:r>
-              <a:rPr lang="en-US" dirty="0" err="1">
-                <a:effectLst/>
-                <a:latin typeface="Arial" panose="020B0604020202020204" pitchFamily="34" charset="0"/>
-                <a:ea typeface="Times New Roman" panose="02020603050405020304" pitchFamily="18" charset="0"/>
-                <a:cs typeface="Arial" panose="020B0604020202020204" pitchFamily="34" charset="0"/>
-              </a:rPr>
-              <a:t>i</a:t>
-            </a:r>
-            <a:r>
-              <a:rPr lang="ru-RU" dirty="0">
-                <a:effectLst/>
-                <a:latin typeface="Arial" panose="020B0604020202020204" pitchFamily="34" charset="0"/>
-                <a:ea typeface="Times New Roman" panose="02020603050405020304" pitchFamily="18" charset="0"/>
-                <a:cs typeface="Arial" panose="020B0604020202020204" pitchFamily="34" charset="0"/>
-              </a:rPr>
-              <a:t>f needed.</a:t>
+              <a:t>Creating a system </a:t>
             </a:r>
             <a:endParaRPr lang="en-US" dirty="0">
               <a:effectLst/>
@@ -4381,7 +5004,7 @@
             </a:endParaRPr>
           </a:p>
           <a:p>
-            <a:pPr marL="342900" marR="0" lvl="0" indent="-342900" fontAlgn="base">
+            <a:pPr marL="285750" marR="0" lvl="0" indent="-285750" fontAlgn="base">
               <a:lnSpc>
                 <a:spcPct val="115000"/>
               </a:lnSpc>
@@ -4391,9 +5014,9 @@
               <a:spcAft>
                 <a:spcPts val="0"/>
               </a:spcAft>
-              <a:buSzPts val="1000"/>
-              <a:buFont typeface="Symbol" panose="05050102010706020507" pitchFamily="18" charset="2"/>
-              <a:buChar char=""/>
+              <a:buSzPct val="77000"/>
+              <a:buFont typeface="Arial" panose="020B0604020202020204" pitchFamily="34" charset="0"/>
+              <a:buChar char="•"/>
               <a:tabLst>
                 <a:tab pos="457200" algn="l"/>
               </a:tabLst>
@@ -4405,43 +5028,7 @@
                 <a:ea typeface="Times New Roman" panose="02020603050405020304" pitchFamily="18" charset="0"/>
                 <a:cs typeface="Arial" panose="020B0604020202020204" pitchFamily="34" charset="0"/>
               </a:rPr>
-              <a:t>Application for managers to view various statistics of employees, departmen</a:t>
-            </a:r>
-            <a:r>
-              <a:rPr lang="en-US" sz="1800" dirty="0" err="1">
-                <a:effectLst/>
-                <a:latin typeface="Arial" panose="020B0604020202020204" pitchFamily="34" charset="0"/>
-                <a:ea typeface="Times New Roman" panose="02020603050405020304" pitchFamily="18" charset="0"/>
-                <a:cs typeface="Arial" panose="020B0604020202020204" pitchFamily="34" charset="0"/>
-              </a:rPr>
-              <a:t>ts</a:t>
-            </a:r>
-            <a:r>
-              <a:rPr lang="ru-RU" sz="1800" dirty="0">
-                <a:effectLst/>
-                <a:latin typeface="Arial" panose="020B0604020202020204" pitchFamily="34" charset="0"/>
-                <a:ea typeface="Times New Roman" panose="02020603050405020304" pitchFamily="18" charset="0"/>
-                <a:cs typeface="Arial" panose="020B0604020202020204" pitchFamily="34" charset="0"/>
-              </a:rPr>
-              <a:t> </a:t>
-            </a:r>
-            <a:r>
-              <a:rPr lang="en-US" sz="1800" dirty="0">
-                <a:effectLst/>
-                <a:latin typeface="Arial" panose="020B0604020202020204" pitchFamily="34" charset="0"/>
-                <a:ea typeface="Times New Roman" panose="02020603050405020304" pitchFamily="18" charset="0"/>
-                <a:cs typeface="Arial" panose="020B0604020202020204" pitchFamily="34" charset="0"/>
-              </a:rPr>
-              <a:t>s</a:t>
-            </a:r>
-            <a:r>
-              <a:rPr lang="ru-RU" sz="1800" dirty="0">
-                <a:effectLst/>
-                <a:latin typeface="Arial" panose="020B0604020202020204" pitchFamily="34" charset="0"/>
-                <a:ea typeface="Times New Roman" panose="02020603050405020304" pitchFamily="18" charset="0"/>
-                <a:cs typeface="Arial" panose="020B0604020202020204" pitchFamily="34" charset="0"/>
-              </a:rPr>
-              <a:t>tock</a:t>
+              <a:t>Application </a:t>
             </a:r>
             <a:endParaRPr lang="en-US" sz="1800" dirty="0">
               <a:effectLst/>
@@ -4451,7 +5038,7 @@
             </a:endParaRPr>
           </a:p>
           <a:p>
-            <a:pPr marL="342900" marR="0" lvl="0" indent="-342900" fontAlgn="base">
+            <a:pPr marL="285750" marR="0" lvl="0" indent="-285750" fontAlgn="base">
               <a:lnSpc>
                 <a:spcPct val="115000"/>
               </a:lnSpc>
@@ -4461,9 +5048,9 @@
               <a:spcAft>
                 <a:spcPts val="0"/>
               </a:spcAft>
-              <a:buSzPts val="1000"/>
-              <a:buFont typeface="Symbol" panose="05050102010706020507" pitchFamily="18" charset="2"/>
-              <a:buChar char=""/>
+              <a:buSzPct val="77000"/>
+              <a:buFont typeface="Arial" panose="020B0604020202020204" pitchFamily="34" charset="0"/>
+              <a:buChar char="•"/>
               <a:tabLst>
                 <a:tab pos="457200" algn="l"/>
               </a:tabLst>
@@ -4475,76 +5062,8 @@
                 <a:ea typeface="Times New Roman" panose="02020603050405020304" pitchFamily="18" charset="0"/>
                 <a:cs typeface="Arial" panose="020B0604020202020204" pitchFamily="34" charset="0"/>
               </a:rPr>
-              <a:t>Website for employees where they would be able to adjust their personal informatio</a:t>
-            </a:r>
-            <a:r>
-              <a:rPr lang="en-US" sz="1800" dirty="0" err="1">
-                <a:effectLst/>
-                <a:latin typeface="Arial" panose="020B0604020202020204" pitchFamily="34" charset="0"/>
-                <a:ea typeface="Times New Roman" panose="02020603050405020304" pitchFamily="18" charset="0"/>
-                <a:cs typeface="Arial" panose="020B0604020202020204" pitchFamily="34" charset="0"/>
-              </a:rPr>
-              <a:t>n</a:t>
-            </a:r>
-            <a:r>
-              <a:rPr lang="en-US" dirty="0" err="1">
-                <a:latin typeface="Arial" panose="020B0604020202020204" pitchFamily="34" charset="0"/>
-                <a:ea typeface="Times New Roman" panose="02020603050405020304" pitchFamily="18" charset="0"/>
-                <a:cs typeface="Arial" panose="020B0604020202020204" pitchFamily="34" charset="0"/>
-              </a:rPr>
-              <a:t>and</a:t>
-            </a:r>
-            <a:r>
-              <a:rPr lang="en-US" dirty="0">
-                <a:latin typeface="Arial" panose="020B0604020202020204" pitchFamily="34" charset="0"/>
-                <a:ea typeface="Times New Roman" panose="02020603050405020304" pitchFamily="18" charset="0"/>
-                <a:cs typeface="Arial" panose="020B0604020202020204" pitchFamily="34" charset="0"/>
-              </a:rPr>
-              <a:t> </a:t>
-            </a:r>
-            <a:r>
-              <a:rPr lang="ru-RU" sz="1800" dirty="0">
-                <a:effectLst/>
-                <a:latin typeface="Arial" panose="020B0604020202020204" pitchFamily="34" charset="0"/>
-                <a:ea typeface="Times New Roman" panose="02020603050405020304" pitchFamily="18" charset="0"/>
-                <a:cs typeface="Arial" panose="020B0604020202020204" pitchFamily="34" charset="0"/>
-              </a:rPr>
-              <a:t>view their workshifts</a:t>
-            </a:r>
-            <a:r>
-              <a:rPr lang="ro-RO" sz="1800" dirty="0">
-                <a:effectLst/>
-                <a:latin typeface="Arial" panose="020B0604020202020204" pitchFamily="34" charset="0"/>
-                <a:ea typeface="Times New Roman" panose="02020603050405020304" pitchFamily="18" charset="0"/>
-                <a:cs typeface="Arial" panose="020B0604020202020204" pitchFamily="34" charset="0"/>
-              </a:rPr>
-              <a:t> </a:t>
-            </a:r>
-            <a:endParaRPr lang="en-US" sz="1800" dirty="0">
-              <a:effectLst/>
-              <a:latin typeface="Arial" panose="020B0604020202020204" pitchFamily="34" charset="0"/>
-              <a:ea typeface="Times New Roman" panose="02020603050405020304" pitchFamily="18" charset="0"/>
-              <a:cs typeface="Arial" panose="020B0604020202020204" pitchFamily="34" charset="0"/>
-            </a:endParaRPr>
-          </a:p>
-          <a:p>
-            <a:pPr marL="342900" marR="0" lvl="0" indent="-342900" fontAlgn="base">
-              <a:lnSpc>
-                <a:spcPct val="115000"/>
-              </a:lnSpc>
-              <a:spcBef>
-                <a:spcPts val="0"/>
-              </a:spcBef>
-              <a:spcAft>
-                <a:spcPts val="0"/>
-              </a:spcAft>
-              <a:buSzPts val="1000"/>
-              <a:buFont typeface="Symbol" panose="05050102010706020507" pitchFamily="18" charset="2"/>
-              <a:buChar char=""/>
-              <a:tabLst>
-                <a:tab pos="457200" algn="l"/>
-              </a:tabLst>
-            </a:pPr>
+              <a:t>Website for employees </a:t>
+            </a:r>
             <a:endParaRPr lang="en-US" sz="1800" dirty="0">
               <a:effectLst/>
               <a:latin typeface="Times New Roman" panose="02020603050405020304" pitchFamily="18" charset="0"/>
@@ -4553,6 +5072,53 @@
           </a:p>
         </p:txBody>
       </p:sp>
+      <p:pic>
+        <p:nvPicPr>
+          <p:cNvPr id="3076" name="Picture 4" descr="Bright idea lightbulb solution icon - Business Use">
+            <a:extLst>
+              <a:ext uri="{FF2B5EF4-FFF2-40B4-BE49-F238E27FC236}">
+                <a16:creationId xmlns:a16="http://schemas.microsoft.com/office/drawing/2014/main" id="{BFF0ED6F-F818-450C-B42A-04D8CD705C81}"/>
+              </a:ext>
+            </a:extLst>
+          </p:cNvPr>
+          <p:cNvPicPr>
+            <a:picLocks noChangeAspect="1" noChangeArrowheads="1"/>
+          </p:cNvPicPr>
+          <p:nvPr/>
+        </p:nvPicPr>
+        <p:blipFill>
+          <a:blip r:embed="rId3">
+            <a:extLst>
+              <a:ext uri="{28A0092B-C50C-407E-A947-70E740481C1C}">
+                <a14:useLocalDpi xmlns:a14="http://schemas.microsoft.com/office/drawing/2010/main" val="0"/>
+              </a:ext>
+            </a:extLst>
+          </a:blip>
+          <a:srcRect/>
+          <a:stretch>
+            <a:fillRect/>
+          </a:stretch>
+        </p:blipFill>
+        <p:spPr bwMode="auto">
+          <a:xfrm>
+            <a:off x="5585129" y="206375"/>
+            <a:ext cx="3101671" cy="3101671"/>
+          </a:xfrm>
+          <a:prstGeom prst="rect">
+            <a:avLst/>
+          </a:prstGeom>
+          <a:noFill/>
+          <a:extLst>
+            <a:ext uri="{909E8E84-426E-40DD-AFC4-6F175D3DCCD1}">
+              <a14:hiddenFill xmlns:a14="http://schemas.microsoft.com/office/drawing/2010/main">
+                <a:solidFill>
+                  <a:srgbClr val="FFFFFF"/>
+                </a:solidFill>
+              </a14:hiddenFill>
+            </a:ext>
+          </a:extLst>
+        </p:spPr>
+      </p:pic>
     </p:spTree>
     <p:extLst>
       <p:ext uri="{BB962C8B-B14F-4D97-AF65-F5344CB8AC3E}">
@@ -5143,39 +5709,6 @@
       </p:sp>
       <p:sp>
         <p:nvSpPr>
-          <p:cNvPr id="3" name="Content Placeholder 2">
-            <a:extLst>
-              <a:ext uri="{FF2B5EF4-FFF2-40B4-BE49-F238E27FC236}">
-                <a16:creationId xmlns:a16="http://schemas.microsoft.com/office/drawing/2014/main" id="{3F1AA421-10F7-4A07-814F-587D3B78777F}"/>
-              </a:ext>
-            </a:extLst>
-          </p:cNvPr>
-          <p:cNvSpPr>
-            <a:spLocks noGrp="1"/>
-          </p:cNvSpPr>
-          <p:nvPr>
-            <p:ph sz="half" idx="1"/>
-          </p:nvPr>
-        </p:nvSpPr>
-        <p:spPr>
-          <a:xfrm>
-            <a:off x="457200" y="1200151"/>
-            <a:ext cx="8440310" cy="2894954"/>
-          </a:xfrm>
-        </p:spPr>
-        <p:txBody>
-          <a:bodyPr/>
-          <a:lstStyle/>
-          <a:p>
-            <a:r>
-              <a:rPr lang="en-US" dirty="0"/>
-              <a:t>With the help of the functionalities implemented by us, the problems in question will be fixed. This application will help the company Media Bazaar keep track of their employees and stock.</a:t>
-            </a:r>
-          </a:p>
-        </p:txBody>
-      </p:sp>
-      <p:sp>
-        <p:nvSpPr>
           <p:cNvPr id="5" name="Slide Number Placeholder 4">
             <a:extLst>
               <a:ext uri="{FF2B5EF4-FFF2-40B4-BE49-F238E27FC236}">
@@ -5203,6 +5736,55 @@
           </a:p>
         </p:txBody>
       </p:sp>
+      <p:pic>
+        <p:nvPicPr>
+          <p:cNvPr id="4098" name="Picture 2" descr="Conclusion - Radiologic Technology">
+            <a:extLst>
+              <a:ext uri="{FF2B5EF4-FFF2-40B4-BE49-F238E27FC236}">
+                <a16:creationId xmlns:a16="http://schemas.microsoft.com/office/drawing/2014/main" id="{2C8E2DD5-0625-47FF-A4AB-8830ECACC96C}"/>
+              </a:ext>
+            </a:extLst>
+          </p:cNvPr>
+          <p:cNvPicPr>
+            <a:picLocks noGrp="1" noChangeAspect="1" noChangeArrowheads="1"/>
+          </p:cNvPicPr>
+          <p:nvPr>
+            <p:ph sz="half" idx="1"/>
+          </p:nvPr>
+        </p:nvPicPr>
+        <p:blipFill>
+          <a:blip r:embed="rId3">
+            <a:extLst>
+              <a:ext uri="{28A0092B-C50C-407E-A947-70E740481C1C}">
+                <a14:useLocalDpi xmlns:a14="http://schemas.microsoft.com/office/drawing/2010/main" val="0"/>
+              </a:ext>
+            </a:extLst>
+          </a:blip>
+          <a:srcRect/>
+          <a:stretch>
+            <a:fillRect/>
+          </a:stretch>
+        </p:blipFill>
+        <p:spPr bwMode="auto">
+          <a:xfrm>
+            <a:off x="2391569" y="1276350"/>
+            <a:ext cx="4572000" cy="2743200"/>
+          </a:xfrm>
+          <a:prstGeom prst="rect">
+            <a:avLst/>
+          </a:prstGeom>
+          <a:noFill/>
+          <a:extLst>
+            <a:ext uri="{909E8E84-426E-40DD-AFC4-6F175D3DCCD1}">
+              <a14:hiddenFill xmlns:a14="http://schemas.microsoft.com/office/drawing/2010/main">
+                <a:solidFill>
+                  <a:srgbClr val="FFFFFF"/>
+                </a:solidFill>
+              </a14:hiddenFill>
+            </a:ext>
+          </a:extLst>
+        </p:spPr>
+      </p:pic>
     </p:spTree>
     <p:extLst>
       <p:ext uri="{BB962C8B-B14F-4D97-AF65-F5344CB8AC3E}">
@@ -5315,109 +5897,6 @@
                       </p:childTnLst>
                     </p:cTn>
                   </p:par>
-                  <p:par>
-                    <p:cTn id="9" fill="hold">
-                      <p:stCondLst>
-                        <p:cond delay="indefinite"/>
-                      </p:stCondLst>
-                      <p:childTnLst>
-                        <p:par>
-                          <p:cTn id="10" fill="hold">
-                            <p:stCondLst>
-                              <p:cond delay="0"/>
-                            </p:stCondLst>
-                            <p:childTnLst>
-                              <p:par>
-                                <p:cTn id="11" presetID="2" presetClass="entr" presetSubtype="4" fill="hold" grpId="0" nodeType="clickEffect">
-                                  <p:stCondLst>
-                                    <p:cond delay="0"/>
-                                  </p:stCondLst>
-                                  <p:childTnLst>
-                                    <p:set>
-                                      <p:cBhvr>
-                                        <p:cTn id="12" dur="1" fill="hold">
-                                          <p:stCondLst>
-                                            <p:cond delay="0"/>
-                                          </p:stCondLst>
-                                        </p:cTn>
-                                        <p:tgtEl>
-                                          <p:spTgt spid="3">
-                                            <p:txEl>
-                                              <p:pRg st="0" end="0"/>
-                                            </p:txEl>
-                                          </p:spTgt>
-                                        </p:tgtEl>
-                                        <p:attrNameLst>
-                                          <p:attrName>style.visibility</p:attrName>
-                                        </p:attrNameLst>
-                                      </p:cBhvr>
-                                      <p:to>
-                                        <p:strVal val="visible"/>
-                                      </p:to>
-                                    </p:set>
-                                    <p:anim calcmode="lin" valueType="num">
-                                      <p:cBhvr additive="base">
-                                        <p:cTn id="13" dur="500" fill="hold"/>
-                                        <p:tgtEl>
-                                          <p:spTgt spid="3">
-                                            <p:txEl>
-                                              <p:pRg st="0" end="0"/>
-                                            </p:txEl>
-                                          </p:spTgt>
-                                        </p:tgtEl>
-                                        <p:attrNameLst>
-                                          <p:attrName>ppt_x</p:attrName>
-                                        </p:attrNameLst>
-                                      </p:cBhvr>
-                                      <p:tavLst>
-                                        <p:tav tm="0">
-                                          <p:val>
-                                            <p:strVal val="#ppt_x"/>
-                                          </p:val>
-                                        </p:tav>
-                                        <p:tav tm="100000">
-                                          <p:val>
-                                            <p:strVal val="#ppt_x"/>
-                                          </p:val>
-                                        </p:tav>
-                                      </p:tavLst>
-                                    </p:anim>
-                                    <p:anim calcmode="lin" valueType="num">
-                                      <p:cBhvr additive="base">
-                                        <p:cTn id="14" dur="500" fill="hold"/>
-                                        <p:tgtEl>
-                                          <p:spTgt spid="3">
-                                            <p:txEl>
-                                              <p:pRg st="0" end="0"/>
-                                            </p:txEl>
-                                          </p:spTgt>
-                                        </p:tgtEl>
-                                        <p:attrNameLst>
-                                          <p:attrName>ppt_y</p:attrName>
-                                        </p:attrNameLst>
-                                      </p:cBhvr>
-                                      <p:tavLst>
-                                        <p:tav tm="0">
-                                          <p:val>
-                                            <p:strVal val="1+#ppt_h/2"/>
-                                          </p:val>
-                                        </p:tav>
-                                        <p:tav tm="100000">
-                                          <p:val>
-                                            <p:strVal val="#ppt_y"/>
-                                          </p:val>
-                                        </p:tav>
-                                      </p:tavLst>
-                                    </p:anim>
-                                  </p:childTnLst>
-                                </p:cTn>
-                              </p:par>
-                            </p:childTnLst>
-                          </p:cTn>
-                        </p:par>
-                      </p:childTnLst>
-                    </p:cTn>
-                  </p:par>
                 </p:childTnLst>
               </p:cTn>
               <p:prevCondLst>
@@ -5441,7 +5920,6 @@
     </p:tnLst>
     <p:bldLst>
       <p:bldP spid="2" grpId="0"/>
-      <p:bldP spid="3" grpId="0" build="p"/>
     </p:bldLst>
   </p:timing>
 </p:sld>
